--- a/apresentações/Apresentação1.pptx
+++ b/apresentações/Apresentação1.pptx
@@ -11,10 +11,10 @@
     <p:sldId id="256" r:id="rId2"/>
     <p:sldId id="258" r:id="rId3"/>
     <p:sldId id="259" r:id="rId4"/>
-    <p:sldId id="261" r:id="rId5"/>
-    <p:sldId id="265" r:id="rId6"/>
+    <p:sldId id="265" r:id="rId5"/>
+    <p:sldId id="261" r:id="rId6"/>
     <p:sldId id="264" r:id="rId7"/>
-    <p:sldId id="266" r:id="rId8"/>
+    <p:sldId id="267" r:id="rId8"/>
   </p:sldIdLst>
   <p:sldSz cx="12192000" cy="6858000"/>
   <p:notesSz cx="6858000" cy="9144000"/>
@@ -113,20 +113,93 @@
       </a:defRPr>
     </a:lvl9pPr>
   </p:defaultTextStyle>
+  <p:extLst>
+    <p:ext uri="{EFAFB233-063F-42B5-8137-9DF3F51BA10A}">
+      <p15:sldGuideLst xmlns:p15="http://schemas.microsoft.com/office/powerpoint/2012/main"/>
+    </p:ext>
+  </p:extLst>
 </p:presentation>
+</file>
+
+<file path=ppt/revisionInfo.xml><?xml version="1.0" encoding="utf-8"?>
+<p1510:revInfo xmlns:a="http://schemas.openxmlformats.org/drawingml/2006/main" xmlns:r="http://schemas.openxmlformats.org/officeDocument/2006/relationships" xmlns:p1510="http://schemas.microsoft.com/office/powerpoint/2015/10/main">
+  <p1510:revLst>
+    <p1510:client id="{6C06519C-39E6-4D5A-B91A-4885C54AB752}" v="15" dt="2023-04-13T10:58:13.945"/>
+  </p1510:revLst>
+</p1510:revInfo>
 </file>
 
 <file path=ppt/changesInfos/changesInfo1.xml><?xml version="1.0" encoding="utf-8"?>
 <pc:chgInfo xmlns:a="http://schemas.openxmlformats.org/drawingml/2006/main" xmlns:r="http://schemas.openxmlformats.org/officeDocument/2006/relationships" xmlns:ac="http://schemas.microsoft.com/office/drawing/2013/main/command" xmlns:pc="http://schemas.microsoft.com/office/powerpoint/2013/main/command">
   <pc:docChgLst>
     <pc:chgData name="Gongas 1331" userId="df032c020f298233" providerId="LiveId" clId="{6C06519C-39E6-4D5A-B91A-4885C54AB752}"/>
-    <pc:docChg chg="undo custSel modSld">
-      <pc:chgData name="Gongas 1331" userId="df032c020f298233" providerId="LiveId" clId="{6C06519C-39E6-4D5A-B91A-4885C54AB752}" dt="2023-04-13T04:11:06.072" v="214" actId="20577"/>
+    <pc:docChg chg="undo custSel addSld delSld modSld sldOrd">
+      <pc:chgData name="Gongas 1331" userId="df032c020f298233" providerId="LiveId" clId="{6C06519C-39E6-4D5A-B91A-4885C54AB752}" dt="2023-04-13T11:03:16.171" v="510" actId="20577"/>
       <pc:docMkLst>
         <pc:docMk/>
       </pc:docMkLst>
-      <pc:sldChg chg="addSp delSp modSp mod setBg modNotesTx">
-        <pc:chgData name="Gongas 1331" userId="df032c020f298233" providerId="LiveId" clId="{6C06519C-39E6-4D5A-B91A-4885C54AB752}" dt="2023-04-13T04:11:06.072" v="214" actId="20577"/>
+      <pc:sldChg chg="modSp mod modTransition">
+        <pc:chgData name="Gongas 1331" userId="df032c020f298233" providerId="LiveId" clId="{6C06519C-39E6-4D5A-B91A-4885C54AB752}" dt="2023-04-13T11:03:16.171" v="510" actId="20577"/>
+        <pc:sldMkLst>
+          <pc:docMk/>
+          <pc:sldMk cId="1025940413" sldId="256"/>
+        </pc:sldMkLst>
+        <pc:spChg chg="mod">
+          <ac:chgData name="Gongas 1331" userId="df032c020f298233" providerId="LiveId" clId="{6C06519C-39E6-4D5A-B91A-4885C54AB752}" dt="2023-04-13T11:03:16.171" v="510" actId="20577"/>
+          <ac:spMkLst>
+            <pc:docMk/>
+            <pc:sldMk cId="1025940413" sldId="256"/>
+            <ac:spMk id="3" creationId="{52027676-CB5C-90F6-13CA-3916ADA40856}"/>
+          </ac:spMkLst>
+        </pc:spChg>
+      </pc:sldChg>
+      <pc:sldChg chg="modSp mod modTransition">
+        <pc:chgData name="Gongas 1331" userId="df032c020f298233" providerId="LiveId" clId="{6C06519C-39E6-4D5A-B91A-4885C54AB752}" dt="2023-04-13T10:54:03.244" v="373"/>
+        <pc:sldMkLst>
+          <pc:docMk/>
+          <pc:sldMk cId="2358758316" sldId="258"/>
+        </pc:sldMkLst>
+        <pc:spChg chg="mod">
+          <ac:chgData name="Gongas 1331" userId="df032c020f298233" providerId="LiveId" clId="{6C06519C-39E6-4D5A-B91A-4885C54AB752}" dt="2023-04-13T10:20:02.766" v="335" actId="20577"/>
+          <ac:spMkLst>
+            <pc:docMk/>
+            <pc:sldMk cId="2358758316" sldId="258"/>
+            <ac:spMk id="3" creationId="{F320DEEC-E8FD-688F-CBB4-1560E0BE52D5}"/>
+          </ac:spMkLst>
+        </pc:spChg>
+      </pc:sldChg>
+      <pc:sldChg chg="modSp mod modTransition">
+        <pc:chgData name="Gongas 1331" userId="df032c020f298233" providerId="LiveId" clId="{6C06519C-39E6-4D5A-B91A-4885C54AB752}" dt="2023-04-13T10:54:01.024" v="372"/>
+        <pc:sldMkLst>
+          <pc:docMk/>
+          <pc:sldMk cId="3713401172" sldId="259"/>
+        </pc:sldMkLst>
+        <pc:spChg chg="mod">
+          <ac:chgData name="Gongas 1331" userId="df032c020f298233" providerId="LiveId" clId="{6C06519C-39E6-4D5A-B91A-4885C54AB752}" dt="2023-04-13T10:10:16.231" v="231" actId="20577"/>
+          <ac:spMkLst>
+            <pc:docMk/>
+            <pc:sldMk cId="3713401172" sldId="259"/>
+            <ac:spMk id="3" creationId="{387CA3AE-0BCB-5EAC-5935-A9BB92321D4E}"/>
+          </ac:spMkLst>
+        </pc:spChg>
+      </pc:sldChg>
+      <pc:sldChg chg="modSp mod modTransition">
+        <pc:chgData name="Gongas 1331" userId="df032c020f298233" providerId="LiveId" clId="{6C06519C-39E6-4D5A-B91A-4885C54AB752}" dt="2023-04-13T10:53:55.379" v="370"/>
+        <pc:sldMkLst>
+          <pc:docMk/>
+          <pc:sldMk cId="3262486298" sldId="261"/>
+        </pc:sldMkLst>
+        <pc:spChg chg="mod">
+          <ac:chgData name="Gongas 1331" userId="df032c020f298233" providerId="LiveId" clId="{6C06519C-39E6-4D5A-B91A-4885C54AB752}" dt="2023-04-13T10:45:50.115" v="363" actId="20577"/>
+          <ac:spMkLst>
+            <pc:docMk/>
+            <pc:sldMk cId="3262486298" sldId="261"/>
+            <ac:spMk id="3" creationId="{D417132B-5340-298D-6455-8ECF6B2A1A98}"/>
+          </ac:spMkLst>
+        </pc:spChg>
+      </pc:sldChg>
+      <pc:sldChg chg="addSp delSp modSp mod modTransition setBg modNotesTx">
+        <pc:chgData name="Gongas 1331" userId="df032c020f298233" providerId="LiveId" clId="{6C06519C-39E6-4D5A-B91A-4885C54AB752}" dt="2023-04-13T10:54:09.779" v="375"/>
         <pc:sldMkLst>
           <pc:docMk/>
           <pc:sldMk cId="1462381289" sldId="264"/>
@@ -219,6 +292,66 @@
             <ac:picMk id="17" creationId="{21A872EB-4F72-A41C-8A4E-189023A7D51E}"/>
           </ac:picMkLst>
         </pc:picChg>
+      </pc:sldChg>
+      <pc:sldChg chg="ord modTransition">
+        <pc:chgData name="Gongas 1331" userId="df032c020f298233" providerId="LiveId" clId="{6C06519C-39E6-4D5A-B91A-4885C54AB752}" dt="2023-04-13T10:53:58.766" v="371"/>
+        <pc:sldMkLst>
+          <pc:docMk/>
+          <pc:sldMk cId="72484403" sldId="265"/>
+        </pc:sldMkLst>
+      </pc:sldChg>
+      <pc:sldChg chg="addSp delSp modSp del ord modTransition">
+        <pc:chgData name="Gongas 1331" userId="df032c020f298233" providerId="LiveId" clId="{6C06519C-39E6-4D5A-B91A-4885C54AB752}" dt="2023-04-13T10:58:23.217" v="386" actId="47"/>
+        <pc:sldMkLst>
+          <pc:docMk/>
+          <pc:sldMk cId="201024975" sldId="266"/>
+        </pc:sldMkLst>
+        <pc:picChg chg="add del mod">
+          <ac:chgData name="Gongas 1331" userId="df032c020f298233" providerId="LiveId" clId="{6C06519C-39E6-4D5A-B91A-4885C54AB752}" dt="2023-04-13T10:58:13.945" v="382"/>
+          <ac:picMkLst>
+            <pc:docMk/>
+            <pc:sldMk cId="201024975" sldId="266"/>
+            <ac:picMk id="3" creationId="{D7809050-E644-4DE9-72F6-7F336274BE50}"/>
+          </ac:picMkLst>
+        </pc:picChg>
+      </pc:sldChg>
+      <pc:sldChg chg="modSp new del mod ord">
+        <pc:chgData name="Gongas 1331" userId="df032c020f298233" providerId="LiveId" clId="{6C06519C-39E6-4D5A-B91A-4885C54AB752}" dt="2023-04-13T10:15:11.712" v="290" actId="2696"/>
+        <pc:sldMkLst>
+          <pc:docMk/>
+          <pc:sldMk cId="1133308758" sldId="267"/>
+        </pc:sldMkLst>
+        <pc:spChg chg="mod">
+          <ac:chgData name="Gongas 1331" userId="df032c020f298233" providerId="LiveId" clId="{6C06519C-39E6-4D5A-B91A-4885C54AB752}" dt="2023-04-13T10:13:21.025" v="242" actId="20577"/>
+          <ac:spMkLst>
+            <pc:docMk/>
+            <pc:sldMk cId="1133308758" sldId="267"/>
+            <ac:spMk id="2" creationId="{7189A371-1F45-3B8F-60C8-C728DF30C581}"/>
+          </ac:spMkLst>
+        </pc:spChg>
+        <pc:spChg chg="mod">
+          <ac:chgData name="Gongas 1331" userId="df032c020f298233" providerId="LiveId" clId="{6C06519C-39E6-4D5A-B91A-4885C54AB752}" dt="2023-04-13T10:15:03.888" v="289" actId="20577"/>
+          <ac:spMkLst>
+            <pc:docMk/>
+            <pc:sldMk cId="1133308758" sldId="267"/>
+            <ac:spMk id="3" creationId="{A96E3480-17EC-16C2-8324-CF7FCBF840F5}"/>
+          </ac:spMkLst>
+        </pc:spChg>
+      </pc:sldChg>
+      <pc:sldChg chg="modSp add mod ord">
+        <pc:chgData name="Gongas 1331" userId="df032c020f298233" providerId="LiveId" clId="{6C06519C-39E6-4D5A-B91A-4885C54AB752}" dt="2023-04-13T11:00:03.966" v="492" actId="27636"/>
+        <pc:sldMkLst>
+          <pc:docMk/>
+          <pc:sldMk cId="2551422336" sldId="267"/>
+        </pc:sldMkLst>
+        <pc:spChg chg="mod">
+          <ac:chgData name="Gongas 1331" userId="df032c020f298233" providerId="LiveId" clId="{6C06519C-39E6-4D5A-B91A-4885C54AB752}" dt="2023-04-13T11:00:03.966" v="492" actId="27636"/>
+          <ac:spMkLst>
+            <pc:docMk/>
+            <pc:sldMk cId="2551422336" sldId="267"/>
+            <ac:spMk id="3" creationId="{52027676-CB5C-90F6-13CA-3916ADA40856}"/>
+          </ac:spMkLst>
+        </pc:spChg>
       </pc:sldChg>
     </pc:docChg>
   </pc:docChgLst>
@@ -802,13 +935,7 @@
           <a:p>
             <a:r>
               <a:rPr lang="pt-PT" dirty="0"/>
-              <a:t>Mencionar os interesses de cada um</a:t>
-            </a:r>
-          </a:p>
-          <a:p>
-            <a:r>
-              <a:rPr lang="pt-PT" dirty="0"/>
-              <a:t>Apresentado pela mesma pessoa do slide 2</a:t>
+              <a:t>Gonçalo</a:t>
             </a:r>
           </a:p>
         </p:txBody>
@@ -839,7 +966,7 @@
     </p:spTree>
     <p:extLst>
       <p:ext uri="{BB962C8B-B14F-4D97-AF65-F5344CB8AC3E}">
-        <p14:creationId xmlns:p14="http://schemas.microsoft.com/office/powerpoint/2010/main" val="2448015330"/>
+        <p14:creationId xmlns:p14="http://schemas.microsoft.com/office/powerpoint/2010/main" val="2667898753"/>
       </p:ext>
     </p:extLst>
   </p:cSld>
@@ -895,7 +1022,13 @@
           <a:p>
             <a:r>
               <a:rPr lang="pt-PT" dirty="0"/>
-              <a:t>Gonçalo</a:t>
+              <a:t>Mencionar os interesses de cada um</a:t>
+            </a:r>
+          </a:p>
+          <a:p>
+            <a:r>
+              <a:rPr lang="pt-PT" dirty="0"/>
+              <a:t>Apresentado pela mesma pessoa do slide 2</a:t>
             </a:r>
           </a:p>
         </p:txBody>
@@ -926,7 +1059,7 @@
     </p:spTree>
     <p:extLst>
       <p:ext uri="{BB962C8B-B14F-4D97-AF65-F5344CB8AC3E}">
-        <p14:creationId xmlns:p14="http://schemas.microsoft.com/office/powerpoint/2010/main" val="2667898753"/>
+        <p14:creationId xmlns:p14="http://schemas.microsoft.com/office/powerpoint/2010/main" val="2448015330"/>
       </p:ext>
     </p:extLst>
   </p:cSld>
@@ -1017,6 +1150,93 @@
     <p:extLst>
       <p:ext uri="{BB962C8B-B14F-4D97-AF65-F5344CB8AC3E}">
         <p14:creationId xmlns:p14="http://schemas.microsoft.com/office/powerpoint/2010/main" val="2855141184"/>
+      </p:ext>
+    </p:extLst>
+  </p:cSld>
+  <p:clrMapOvr>
+    <a:masterClrMapping/>
+  </p:clrMapOvr>
+</p:notes>
+</file>
+
+<file path=ppt/notesSlides/notesSlide6.xml><?xml version="1.0" encoding="utf-8"?>
+<p:notes xmlns:a="http://schemas.openxmlformats.org/drawingml/2006/main" xmlns:r="http://schemas.openxmlformats.org/officeDocument/2006/relationships" xmlns:p="http://schemas.openxmlformats.org/presentationml/2006/main">
+  <p:cSld>
+    <p:spTree>
+      <p:nvGrpSpPr>
+        <p:cNvPr id="1" name=""/>
+        <p:cNvGrpSpPr/>
+        <p:nvPr/>
+      </p:nvGrpSpPr>
+      <p:grpSpPr>
+        <a:xfrm>
+          <a:off x="0" y="0"/>
+          <a:ext cx="0" cy="0"/>
+          <a:chOff x="0" y="0"/>
+          <a:chExt cx="0" cy="0"/>
+        </a:xfrm>
+      </p:grpSpPr>
+      <p:sp>
+        <p:nvSpPr>
+          <p:cNvPr id="2" name="Marcador de Posição da Imagem do Diapositivo 1"/>
+          <p:cNvSpPr>
+            <a:spLocks noGrp="1" noRot="1" noChangeAspect="1"/>
+          </p:cNvSpPr>
+          <p:nvPr>
+            <p:ph type="sldImg"/>
+          </p:nvPr>
+        </p:nvSpPr>
+        <p:spPr/>
+      </p:sp>
+      <p:sp>
+        <p:nvSpPr>
+          <p:cNvPr id="3" name="Marcador de Posição de Notas 2"/>
+          <p:cNvSpPr>
+            <a:spLocks noGrp="1"/>
+          </p:cNvSpPr>
+          <p:nvPr>
+            <p:ph type="body" idx="1"/>
+          </p:nvPr>
+        </p:nvSpPr>
+        <p:spPr/>
+        <p:txBody>
+          <a:bodyPr/>
+          <a:lstStyle/>
+          <a:p>
+            <a:r>
+              <a:rPr lang="pt-PT" dirty="0"/>
+              <a:t>Gonçalo</a:t>
+            </a:r>
+          </a:p>
+        </p:txBody>
+      </p:sp>
+      <p:sp>
+        <p:nvSpPr>
+          <p:cNvPr id="4" name="Marcador de Posição do Número do Diapositivo 3"/>
+          <p:cNvSpPr>
+            <a:spLocks noGrp="1"/>
+          </p:cNvSpPr>
+          <p:nvPr>
+            <p:ph type="sldNum" sz="quarter" idx="5"/>
+          </p:nvPr>
+        </p:nvSpPr>
+        <p:spPr/>
+        <p:txBody>
+          <a:bodyPr/>
+          <a:lstStyle/>
+          <a:p>
+            <a:fld id="{B5EB6763-F36A-4840-BDBA-0C64361552CB}" type="slidenum">
+              <a:rPr lang="pt-PT" smtClean="0"/>
+              <a:t>7</a:t>
+            </a:fld>
+            <a:endParaRPr lang="pt-PT"/>
+          </a:p>
+        </p:txBody>
+      </p:sp>
+    </p:spTree>
+    <p:extLst>
+      <p:ext uri="{BB962C8B-B14F-4D97-AF65-F5344CB8AC3E}">
+        <p14:creationId xmlns:p14="http://schemas.microsoft.com/office/powerpoint/2010/main" val="3404844234"/>
       </p:ext>
     </p:extLst>
   </p:cSld>
@@ -6462,9 +6682,10 @@
           <a:lstStyle/>
           <a:p>
             <a:r>
-              <a:rPr lang="pt-PT" sz="2000" dirty="0"/>
+              <a:rPr lang="pt-PT" sz="2000"/>
               <a:t>Atualize o seu treino</a:t>
             </a:r>
+            <a:endParaRPr lang="pt-PT" sz="2000" dirty="0"/>
           </a:p>
         </p:txBody>
       </p:sp>
@@ -6695,6 +6916,9 @@
   <p:clrMapOvr>
     <a:masterClrMapping/>
   </p:clrMapOvr>
+  <p:transition spd="slow">
+    <p:push dir="u"/>
+  </p:transition>
 </p:sld>
 </file>
 
@@ -7064,26 +7288,45 @@
           <a:lstStyle/>
           <a:p>
             <a:r>
-              <a:rPr lang="pt-PT" sz="1800"/>
+              <a:rPr lang="pt-PT" sz="1800" dirty="0"/>
               <a:t>Sistemas antiquados de ginásio</a:t>
             </a:r>
           </a:p>
           <a:p>
             <a:r>
-              <a:rPr lang="pt-PT" sz="1800"/>
+              <a:rPr lang="pt-PT" sz="1800" dirty="0"/>
               <a:t>Complicação de marcações</a:t>
             </a:r>
           </a:p>
           <a:p>
             <a:r>
-              <a:rPr lang="pt-PT" sz="1800"/>
-              <a:t>Custo elevado de um Personal Trainer</a:t>
-            </a:r>
-          </a:p>
-          <a:p>
-            <a:r>
-              <a:rPr lang="pt-PT" sz="1800"/>
+              <a:rPr lang="pt-PT" sz="1800" dirty="0"/>
+              <a:t>Custo elevado de um </a:t>
+            </a:r>
+            <a:r>
+              <a:rPr lang="pt-PT" sz="1800" dirty="0" err="1"/>
+              <a:t>Personal</a:t>
+            </a:r>
+            <a:r>
+              <a:rPr lang="pt-PT" sz="1800" dirty="0"/>
+              <a:t> </a:t>
+            </a:r>
+            <a:r>
+              <a:rPr lang="pt-PT" sz="1800" dirty="0" err="1"/>
+              <a:t>Trainer</a:t>
+            </a:r>
+            <a:endParaRPr lang="pt-PT" sz="1800" dirty="0"/>
+          </a:p>
+          <a:p>
+            <a:r>
+              <a:rPr lang="pt-PT" sz="1800" dirty="0"/>
               <a:t>Falta de aproveitamento das novas tecnologias</a:t>
+            </a:r>
+          </a:p>
+          <a:p>
+            <a:r>
+              <a:rPr lang="pt-PT" sz="1800" dirty="0"/>
+              <a:t>Modernização da competição</a:t>
             </a:r>
           </a:p>
         </p:txBody>
@@ -7144,6 +7387,9 @@
   <p:clrMapOvr>
     <a:masterClrMapping/>
   </p:clrMapOvr>
+  <p:transition spd="slow">
+    <p:push dir="u"/>
+  </p:transition>
 </p:sld>
 </file>
 
@@ -7622,7 +7868,7 @@
           <a:p>
             <a:r>
               <a:rPr lang="pt-PT" sz="1800" dirty="0"/>
-              <a:t>Facilitar a interação cliente-profissionais</a:t>
+              <a:t>Facilitar a interação cliente e profissionais do ginásio</a:t>
             </a:r>
           </a:p>
           <a:p>
@@ -7703,6 +7949,9 @@
   <p:clrMapOvr>
     <a:masterClrMapping/>
   </p:clrMapOvr>
+  <p:transition spd="slow">
+    <p:push dir="u"/>
+  </p:transition>
 </p:sld>
 </file>
 
@@ -7733,7 +7982,7 @@
       </p:grpSpPr>
       <p:sp useBgFill="1">
         <p:nvSpPr>
-          <p:cNvPr id="25" name="Rectangle 24">
+          <p:cNvPr id="10" name="Rectangle 9">
             <a:extLst>
               <a:ext uri="{FF2B5EF4-FFF2-40B4-BE49-F238E27FC236}">
                 <a16:creationId xmlns:a16="http://schemas.microsoft.com/office/drawing/2014/main" id="{79477870-C64A-4E35-8F2F-05B7114F3C74}"/>
@@ -7796,7 +8045,7 @@
           <p:cNvPr id="2" name="Título 1">
             <a:extLst>
               <a:ext uri="{FF2B5EF4-FFF2-40B4-BE49-F238E27FC236}">
-                <a16:creationId xmlns:a16="http://schemas.microsoft.com/office/drawing/2014/main" id="{15E937CA-11FD-0028-B30C-682C579C803B}"/>
+                <a16:creationId xmlns:a16="http://schemas.microsoft.com/office/drawing/2014/main" id="{5F000DB2-0A7E-43F8-D53E-EC69EFEE7C47}"/>
               </a:ext>
             </a:extLst>
           </p:cNvPr>
@@ -7820,15 +8069,15 @@
           <a:lstStyle/>
           <a:p>
             <a:r>
-              <a:rPr lang="pt-PT" sz="5200"/>
-              <a:t>Stakeholders</a:t>
-            </a:r>
-          </a:p>
-        </p:txBody>
-      </p:sp>
-      <p:sp>
-        <p:nvSpPr>
-          <p:cNvPr id="27" name="Rectangle 26">
+              <a:rPr lang="pt-PT" sz="5200" dirty="0"/>
+              <a:t>Funcionalidade</a:t>
+            </a:r>
+          </a:p>
+        </p:txBody>
+      </p:sp>
+      <p:sp>
+        <p:nvSpPr>
+          <p:cNvPr id="12" name="Rectangle 11">
             <a:extLst>
               <a:ext uri="{FF2B5EF4-FFF2-40B4-BE49-F238E27FC236}">
                 <a16:creationId xmlns:a16="http://schemas.microsoft.com/office/drawing/2014/main" id="{8AEA628B-C8FF-4D0B-B111-F101F580B15D}"/>
@@ -7920,7 +8169,7 @@
       </p:sp>
       <p:sp>
         <p:nvSpPr>
-          <p:cNvPr id="29" name="Rectangle 28">
+          <p:cNvPr id="14" name="Rectangle 13">
             <a:extLst>
               <a:ext uri="{FF2B5EF4-FFF2-40B4-BE49-F238E27FC236}">
                 <a16:creationId xmlns:a16="http://schemas.microsoft.com/office/drawing/2014/main" id="{42663BD0-064C-40FC-A331-F49FCA9536AA}"/>
@@ -8019,7 +8268,7 @@
           <p:cNvPr id="3" name="Marcador de Posição de Conteúdo 2">
             <a:extLst>
               <a:ext uri="{FF2B5EF4-FFF2-40B4-BE49-F238E27FC236}">
-                <a16:creationId xmlns:a16="http://schemas.microsoft.com/office/drawing/2014/main" id="{D417132B-5340-298D-6455-8ECF6B2A1A98}"/>
+                <a16:creationId xmlns:a16="http://schemas.microsoft.com/office/drawing/2014/main" id="{6D09ABA9-E96E-D8AE-2EE8-1A3F772F00E1}"/>
               </a:ext>
             </a:extLst>
           </p:cNvPr>
@@ -8043,26 +8292,48 @@
           <a:lstStyle/>
           <a:p>
             <a:r>
-              <a:rPr lang="pt-PT" sz="1800"/>
-              <a:t>Ginásios</a:t>
-            </a:r>
-          </a:p>
-          <a:p>
-            <a:r>
-              <a:rPr lang="pt-PT" sz="1800"/>
-              <a:t>Personal Trainers</a:t>
-            </a:r>
-          </a:p>
-          <a:p>
-            <a:r>
-              <a:rPr lang="pt-PT" sz="1800"/>
-              <a:t>Nutricionistas</a:t>
-            </a:r>
-          </a:p>
-          <a:p>
-            <a:r>
-              <a:rPr lang="pt-PT" sz="1800"/>
-              <a:t>Clientes dos Ginásios</a:t>
+              <a:rPr lang="pt-PT" sz="1800" dirty="0"/>
+              <a:t>Consultas com </a:t>
+            </a:r>
+            <a:r>
+              <a:rPr lang="pt-PT" sz="1800" dirty="0" err="1"/>
+              <a:t>personal</a:t>
+            </a:r>
+            <a:r>
+              <a:rPr lang="pt-PT" sz="1800" dirty="0"/>
+              <a:t> </a:t>
+            </a:r>
+            <a:r>
+              <a:rPr lang="pt-PT" sz="1800" dirty="0" err="1"/>
+              <a:t>trainers</a:t>
+            </a:r>
+            <a:r>
+              <a:rPr lang="pt-PT" sz="1800" dirty="0"/>
+              <a:t> e nutricionistas</a:t>
+            </a:r>
+          </a:p>
+          <a:p>
+            <a:r>
+              <a:rPr lang="pt-PT" sz="1800" dirty="0"/>
+              <a:t>Treinos personalizados</a:t>
+            </a:r>
+          </a:p>
+          <a:p>
+            <a:r>
+              <a:rPr lang="pt-PT" sz="1800" dirty="0"/>
+              <a:t>Acompanhamento de progresso</a:t>
+            </a:r>
+          </a:p>
+          <a:p>
+            <a:r>
+              <a:rPr lang="pt-PT" sz="1800" dirty="0"/>
+              <a:t>Gestão de dietas</a:t>
+            </a:r>
+          </a:p>
+          <a:p>
+            <a:r>
+              <a:rPr lang="pt-PT" sz="1800" dirty="0"/>
+              <a:t>Agendamento de aulas de grupo</a:t>
             </a:r>
           </a:p>
         </p:txBody>
@@ -8072,7 +8343,7 @@
           <p:cNvPr id="4" name="Marcador de Posição do Número do Diapositivo 3">
             <a:extLst>
               <a:ext uri="{FF2B5EF4-FFF2-40B4-BE49-F238E27FC236}">
-                <a16:creationId xmlns:a16="http://schemas.microsoft.com/office/drawing/2014/main" id="{6AA13265-11B6-6408-E7C6-EBE8B3A7597D}"/>
+                <a16:creationId xmlns:a16="http://schemas.microsoft.com/office/drawing/2014/main" id="{FA1E982E-1EE7-AEF6-0A20-B9F16FA4B3B1}"/>
               </a:ext>
             </a:extLst>
           </p:cNvPr>
@@ -8115,10 +8386,10 @@
       </p:sp>
       <p:pic>
         <p:nvPicPr>
-          <p:cNvPr id="6" name="Imagem 5" descr="Uma imagem com pessoa, homem, interior, em pé&#10;&#10;Descrição gerada automaticamente">
-            <a:extLst>
-              <a:ext uri="{FF2B5EF4-FFF2-40B4-BE49-F238E27FC236}">
-                <a16:creationId xmlns:a16="http://schemas.microsoft.com/office/drawing/2014/main" id="{4DB3D9BA-492F-00B8-7BBE-505FED88110F}"/>
+          <p:cNvPr id="6" name="Picture 5" descr="Halteres no piso de um ginásio">
+            <a:extLst>
+              <a:ext uri="{FF2B5EF4-FFF2-40B4-BE49-F238E27FC236}">
+                <a16:creationId xmlns:a16="http://schemas.microsoft.com/office/drawing/2014/main" id="{63B62F06-2309-D120-1294-A5D77054CB70}"/>
               </a:ext>
             </a:extLst>
           </p:cNvPr>
@@ -8128,14 +8399,8 @@
           <p:nvPr/>
         </p:nvPicPr>
         <p:blipFill rotWithShape="1">
-          <a:blip r:embed="rId3">
-            <a:extLst>
-              <a:ext uri="{28A0092B-C50C-407E-A947-70E740481C1C}">
-                <a14:useLocalDpi xmlns:a14="http://schemas.microsoft.com/office/drawing/2010/main" val="0"/>
-              </a:ext>
-            </a:extLst>
-          </a:blip>
-          <a:srcRect l="11933" r="44682" b="-1"/>
+          <a:blip r:embed="rId3"/>
+          <a:srcRect l="56452" r="-1" b="-1"/>
           <a:stretch/>
         </p:blipFill>
         <p:spPr>
@@ -8151,13 +8416,16 @@
     </p:spTree>
     <p:extLst>
       <p:ext uri="{BB962C8B-B14F-4D97-AF65-F5344CB8AC3E}">
-        <p14:creationId xmlns:p14="http://schemas.microsoft.com/office/powerpoint/2010/main" val="3262486298"/>
+        <p14:creationId xmlns:p14="http://schemas.microsoft.com/office/powerpoint/2010/main" val="72484403"/>
       </p:ext>
     </p:extLst>
   </p:cSld>
   <p:clrMapOvr>
     <a:masterClrMapping/>
   </p:clrMapOvr>
+  <p:transition spd="slow">
+    <p:push dir="u"/>
+  </p:transition>
 </p:sld>
 </file>
 
@@ -8188,7 +8456,7 @@
       </p:grpSpPr>
       <p:sp useBgFill="1">
         <p:nvSpPr>
-          <p:cNvPr id="10" name="Rectangle 9">
+          <p:cNvPr id="25" name="Rectangle 24">
             <a:extLst>
               <a:ext uri="{FF2B5EF4-FFF2-40B4-BE49-F238E27FC236}">
                 <a16:creationId xmlns:a16="http://schemas.microsoft.com/office/drawing/2014/main" id="{79477870-C64A-4E35-8F2F-05B7114F3C74}"/>
@@ -8251,7 +8519,7 @@
           <p:cNvPr id="2" name="Título 1">
             <a:extLst>
               <a:ext uri="{FF2B5EF4-FFF2-40B4-BE49-F238E27FC236}">
-                <a16:creationId xmlns:a16="http://schemas.microsoft.com/office/drawing/2014/main" id="{5F000DB2-0A7E-43F8-D53E-EC69EFEE7C47}"/>
+                <a16:creationId xmlns:a16="http://schemas.microsoft.com/office/drawing/2014/main" id="{15E937CA-11FD-0028-B30C-682C579C803B}"/>
               </a:ext>
             </a:extLst>
           </p:cNvPr>
@@ -8275,15 +8543,16 @@
           <a:lstStyle/>
           <a:p>
             <a:r>
-              <a:rPr lang="pt-PT" sz="5200" dirty="0"/>
-              <a:t>Funcionalidade</a:t>
-            </a:r>
-          </a:p>
-        </p:txBody>
-      </p:sp>
-      <p:sp>
-        <p:nvSpPr>
-          <p:cNvPr id="12" name="Rectangle 11">
+              <a:rPr lang="pt-PT" sz="5200" dirty="0" err="1"/>
+              <a:t>Stakeholders</a:t>
+            </a:r>
+            <a:endParaRPr lang="pt-PT" sz="5200" dirty="0"/>
+          </a:p>
+        </p:txBody>
+      </p:sp>
+      <p:sp>
+        <p:nvSpPr>
+          <p:cNvPr id="27" name="Rectangle 26">
             <a:extLst>
               <a:ext uri="{FF2B5EF4-FFF2-40B4-BE49-F238E27FC236}">
                 <a16:creationId xmlns:a16="http://schemas.microsoft.com/office/drawing/2014/main" id="{8AEA628B-C8FF-4D0B-B111-F101F580B15D}"/>
@@ -8375,7 +8644,7 @@
       </p:sp>
       <p:sp>
         <p:nvSpPr>
-          <p:cNvPr id="14" name="Rectangle 13">
+          <p:cNvPr id="29" name="Rectangle 28">
             <a:extLst>
               <a:ext uri="{FF2B5EF4-FFF2-40B4-BE49-F238E27FC236}">
                 <a16:creationId xmlns:a16="http://schemas.microsoft.com/office/drawing/2014/main" id="{42663BD0-064C-40FC-A331-F49FCA9536AA}"/>
@@ -8474,7 +8743,7 @@
           <p:cNvPr id="3" name="Marcador de Posição de Conteúdo 2">
             <a:extLst>
               <a:ext uri="{FF2B5EF4-FFF2-40B4-BE49-F238E27FC236}">
-                <a16:creationId xmlns:a16="http://schemas.microsoft.com/office/drawing/2014/main" id="{6D09ABA9-E96E-D8AE-2EE8-1A3F772F00E1}"/>
+                <a16:creationId xmlns:a16="http://schemas.microsoft.com/office/drawing/2014/main" id="{D417132B-5340-298D-6455-8ECF6B2A1A98}"/>
               </a:ext>
             </a:extLst>
           </p:cNvPr>
@@ -8499,11 +8768,19 @@
           <a:p>
             <a:r>
               <a:rPr lang="pt-PT" sz="1800" dirty="0"/>
-              <a:t>Consultas com </a:t>
-            </a:r>
+              <a:t>Ginásios</a:t>
+            </a:r>
+          </a:p>
+          <a:p>
+            <a:r>
+              <a:rPr lang="pt-PT" sz="1800" dirty="0"/>
+              <a:t>A Nossa Equipa</a:t>
+            </a:r>
+          </a:p>
+          <a:p>
             <a:r>
               <a:rPr lang="pt-PT" sz="1800" dirty="0" err="1"/>
-              <a:t>personal</a:t>
+              <a:t>Personal</a:t>
             </a:r>
             <a:r>
               <a:rPr lang="pt-PT" sz="1800" dirty="0"/>
@@ -8511,35 +8788,20 @@
             </a:r>
             <a:r>
               <a:rPr lang="pt-PT" sz="1800" dirty="0" err="1"/>
-              <a:t>trainers</a:t>
-            </a:r>
+              <a:t>Trainers</a:t>
+            </a:r>
+            <a:endParaRPr lang="pt-PT" sz="1800" dirty="0"/>
+          </a:p>
+          <a:p>
             <a:r>
               <a:rPr lang="pt-PT" sz="1800" dirty="0"/>
-              <a:t> e nutricionistas</a:t>
+              <a:t>Nutricionistas</a:t>
             </a:r>
           </a:p>
           <a:p>
             <a:r>
               <a:rPr lang="pt-PT" sz="1800" dirty="0"/>
-              <a:t>Treinos personalizados</a:t>
-            </a:r>
-          </a:p>
-          <a:p>
-            <a:r>
-              <a:rPr lang="pt-PT" sz="1800" dirty="0"/>
-              <a:t>Acompanhamento de progresso</a:t>
-            </a:r>
-          </a:p>
-          <a:p>
-            <a:r>
-              <a:rPr lang="pt-PT" sz="1800" dirty="0"/>
-              <a:t>Gestão de dietas</a:t>
-            </a:r>
-          </a:p>
-          <a:p>
-            <a:r>
-              <a:rPr lang="pt-PT" sz="1800" dirty="0"/>
-              <a:t>Agendamento de aulas de grupo</a:t>
+              <a:t>Membros dos Ginásios</a:t>
             </a:r>
           </a:p>
         </p:txBody>
@@ -8549,7 +8811,7 @@
           <p:cNvPr id="4" name="Marcador de Posição do Número do Diapositivo 3">
             <a:extLst>
               <a:ext uri="{FF2B5EF4-FFF2-40B4-BE49-F238E27FC236}">
-                <a16:creationId xmlns:a16="http://schemas.microsoft.com/office/drawing/2014/main" id="{FA1E982E-1EE7-AEF6-0A20-B9F16FA4B3B1}"/>
+                <a16:creationId xmlns:a16="http://schemas.microsoft.com/office/drawing/2014/main" id="{6AA13265-11B6-6408-E7C6-EBE8B3A7597D}"/>
               </a:ext>
             </a:extLst>
           </p:cNvPr>
@@ -8592,10 +8854,10 @@
       </p:sp>
       <p:pic>
         <p:nvPicPr>
-          <p:cNvPr id="6" name="Picture 5" descr="Halteres no piso de um ginásio">
-            <a:extLst>
-              <a:ext uri="{FF2B5EF4-FFF2-40B4-BE49-F238E27FC236}">
-                <a16:creationId xmlns:a16="http://schemas.microsoft.com/office/drawing/2014/main" id="{63B62F06-2309-D120-1294-A5D77054CB70}"/>
+          <p:cNvPr id="6" name="Imagem 5" descr="Uma imagem com pessoa, homem, interior, em pé&#10;&#10;Descrição gerada automaticamente">
+            <a:extLst>
+              <a:ext uri="{FF2B5EF4-FFF2-40B4-BE49-F238E27FC236}">
+                <a16:creationId xmlns:a16="http://schemas.microsoft.com/office/drawing/2014/main" id="{4DB3D9BA-492F-00B8-7BBE-505FED88110F}"/>
               </a:ext>
             </a:extLst>
           </p:cNvPr>
@@ -8605,8 +8867,14 @@
           <p:nvPr/>
         </p:nvPicPr>
         <p:blipFill rotWithShape="1">
-          <a:blip r:embed="rId3"/>
-          <a:srcRect l="56452" r="-1" b="-1"/>
+          <a:blip r:embed="rId3">
+            <a:extLst>
+              <a:ext uri="{28A0092B-C50C-407E-A947-70E740481C1C}">
+                <a14:useLocalDpi xmlns:a14="http://schemas.microsoft.com/office/drawing/2010/main" val="0"/>
+              </a:ext>
+            </a:extLst>
+          </a:blip>
+          <a:srcRect l="11933" r="44682" b="-1"/>
           <a:stretch/>
         </p:blipFill>
         <p:spPr>
@@ -8622,13 +8890,16 @@
     </p:spTree>
     <p:extLst>
       <p:ext uri="{BB962C8B-B14F-4D97-AF65-F5344CB8AC3E}">
-        <p14:creationId xmlns:p14="http://schemas.microsoft.com/office/powerpoint/2010/main" val="72484403"/>
+        <p14:creationId xmlns:p14="http://schemas.microsoft.com/office/powerpoint/2010/main" val="3262486298"/>
       </p:ext>
     </p:extLst>
   </p:cSld>
   <p:clrMapOvr>
     <a:masterClrMapping/>
   </p:clrMapOvr>
+  <p:transition spd="slow">
+    <p:push dir="u"/>
+  </p:transition>
 </p:sld>
 </file>
 
@@ -9081,6 +9352,9 @@
   <p:clrMapOvr>
     <a:masterClrMapping/>
   </p:clrMapOvr>
+  <p:transition spd="slow">
+    <p:push dir="u"/>
+  </p:transition>
 </p:sld>
 </file>
 
@@ -9109,12 +9383,12 @@
           <a:chExt cx="0" cy="0"/>
         </a:xfrm>
       </p:grpSpPr>
-      <p:sp>
-        <p:nvSpPr>
-          <p:cNvPr id="35" name="Rectangle 34">
-            <a:extLst>
-              <a:ext uri="{FF2B5EF4-FFF2-40B4-BE49-F238E27FC236}">
-                <a16:creationId xmlns:a16="http://schemas.microsoft.com/office/drawing/2014/main" id="{8D06CE56-3881-4ADA-8CEF-D18B02C242A3}"/>
+      <p:sp useBgFill="1">
+        <p:nvSpPr>
+          <p:cNvPr id="87" name="Rectangle 86">
+            <a:extLst>
+              <a:ext uri="{FF2B5EF4-FFF2-40B4-BE49-F238E27FC236}">
+                <a16:creationId xmlns:a16="http://schemas.microsoft.com/office/drawing/2014/main" id="{5DCB5928-DC7D-4612-9922-441966E15627}"/>
               </a:ext>
               <a:ext uri="{C183D7F6-B498-43B3-948B-1728B52AA6E4}">
                 <adec:decorative xmlns:adec="http://schemas.microsoft.com/office/drawing/2017/decorative" val="1"/>
@@ -9133,16 +9407,13 @@
           </p:nvPr>
         </p:nvSpPr>
         <p:spPr>
-          <a:xfrm rot="5400000">
-            <a:off x="857544" y="346791"/>
-            <a:ext cx="146304" cy="704088"/>
+          <a:xfrm>
+            <a:off x="0" y="0"/>
+            <a:ext cx="12192000" cy="6858000"/>
           </a:xfrm>
           <a:prstGeom prst="rect">
             <a:avLst/>
           </a:prstGeom>
-          <a:solidFill>
-            <a:schemeClr val="accent1"/>
-          </a:solidFill>
           <a:ln>
             <a:noFill/>
           </a:ln>
@@ -9165,6 +9436,188 @@
         </p:style>
         <p:txBody>
           <a:bodyPr rtlCol="0" anchor="ctr"/>
+          <a:lstStyle/>
+          <a:p>
+            <a:pPr algn="ctr"/>
+            <a:endParaRPr lang="en-US"/>
+          </a:p>
+        </p:txBody>
+      </p:sp>
+      <p:pic>
+        <p:nvPicPr>
+          <p:cNvPr id="129" name="Imagem 128">
+            <a:extLst>
+              <a:ext uri="{FF2B5EF4-FFF2-40B4-BE49-F238E27FC236}">
+                <a16:creationId xmlns:a16="http://schemas.microsoft.com/office/drawing/2014/main" id="{B94D7A44-6534-D51F-8CAA-D83DE1CF1E19}"/>
+              </a:ext>
+            </a:extLst>
+          </p:cNvPr>
+          <p:cNvPicPr>
+            <a:picLocks noChangeAspect="1"/>
+          </p:cNvPicPr>
+          <p:nvPr/>
+        </p:nvPicPr>
+        <p:blipFill>
+          <a:blip r:embed="rId3">
+            <a:extLst>
+              <a:ext uri="{28A0092B-C50C-407E-A947-70E740481C1C}">
+                <a14:useLocalDpi xmlns:a14="http://schemas.microsoft.com/office/drawing/2010/main" val="0"/>
+              </a:ext>
+            </a:extLst>
+          </a:blip>
+          <a:stretch>
+            <a:fillRect/>
+          </a:stretch>
+        </p:blipFill>
+        <p:spPr>
+          <a:xfrm>
+            <a:off x="-13009" y="0"/>
+            <a:ext cx="12210089" cy="6858000"/>
+          </a:xfrm>
+          <a:prstGeom prst="rect">
+            <a:avLst/>
+          </a:prstGeom>
+        </p:spPr>
+      </p:pic>
+      <p:sp useBgFill="1">
+        <p:nvSpPr>
+          <p:cNvPr id="89" name="Freeform: Shape 88">
+            <a:extLst>
+              <a:ext uri="{FF2B5EF4-FFF2-40B4-BE49-F238E27FC236}">
+                <a16:creationId xmlns:a16="http://schemas.microsoft.com/office/drawing/2014/main" id="{682C1161-1736-45EC-99B7-33F3CAE9D517}"/>
+              </a:ext>
+              <a:ext uri="{C183D7F6-B498-43B3-948B-1728B52AA6E4}">
+                <adec:decorative xmlns:adec="http://schemas.microsoft.com/office/drawing/2017/decorative" val="1"/>
+              </a:ext>
+            </a:extLst>
+          </p:cNvPr>
+          <p:cNvSpPr>
+            <a:spLocks noGrp="1" noRot="1" noChangeAspect="1" noMove="1" noResize="1" noEditPoints="1" noAdjustHandles="1" noChangeArrowheads="1" noChangeShapeType="1" noTextEdit="1"/>
+          </p:cNvSpPr>
+          <p:nvPr>
+            <p:extLst>
+              <p:ext uri="{386F3935-93C4-4BCD-93E2-E3B085C9AB24}">
+                <p16:designElem xmlns:p16="http://schemas.microsoft.com/office/powerpoint/2015/main" val="1"/>
+              </p:ext>
+            </p:extLst>
+          </p:nvPr>
+        </p:nvSpPr>
+        <p:spPr>
+          <a:xfrm>
+            <a:off x="0" y="0"/>
+            <a:ext cx="4959047" cy="6858000"/>
+          </a:xfrm>
+          <a:custGeom>
+            <a:avLst/>
+            <a:gdLst>
+              <a:gd name="connsiteX0" fmla="*/ 0 w 4959047"/>
+              <a:gd name="connsiteY0" fmla="*/ 0 h 6858000"/>
+              <a:gd name="connsiteX1" fmla="*/ 4110127 w 4959047"/>
+              <a:gd name="connsiteY1" fmla="*/ 0 h 6858000"/>
+              <a:gd name="connsiteX2" fmla="*/ 4179024 w 4959047"/>
+              <a:gd name="connsiteY2" fmla="*/ 123368 h 6858000"/>
+              <a:gd name="connsiteX3" fmla="*/ 4959047 w 4959047"/>
+              <a:gd name="connsiteY3" fmla="*/ 3429000 h 6858000"/>
+              <a:gd name="connsiteX4" fmla="*/ 4179024 w 4959047"/>
+              <a:gd name="connsiteY4" fmla="*/ 6734633 h 6858000"/>
+              <a:gd name="connsiteX5" fmla="*/ 4110127 w 4959047"/>
+              <a:gd name="connsiteY5" fmla="*/ 6858000 h 6858000"/>
+              <a:gd name="connsiteX6" fmla="*/ 0 w 4959047"/>
+              <a:gd name="connsiteY6" fmla="*/ 6858000 h 6858000"/>
+            </a:gdLst>
+            <a:ahLst/>
+            <a:cxnLst>
+              <a:cxn ang="0">
+                <a:pos x="connsiteX0" y="connsiteY0"/>
+              </a:cxn>
+              <a:cxn ang="0">
+                <a:pos x="connsiteX1" y="connsiteY1"/>
+              </a:cxn>
+              <a:cxn ang="0">
+                <a:pos x="connsiteX2" y="connsiteY2"/>
+              </a:cxn>
+              <a:cxn ang="0">
+                <a:pos x="connsiteX3" y="connsiteY3"/>
+              </a:cxn>
+              <a:cxn ang="0">
+                <a:pos x="connsiteX4" y="connsiteY4"/>
+              </a:cxn>
+              <a:cxn ang="0">
+                <a:pos x="connsiteX5" y="connsiteY5"/>
+              </a:cxn>
+              <a:cxn ang="0">
+                <a:pos x="connsiteX6" y="connsiteY6"/>
+              </a:cxn>
+            </a:cxnLst>
+            <a:rect l="l" t="t" r="r" b="b"/>
+            <a:pathLst>
+              <a:path w="4959047" h="6858000">
+                <a:moveTo>
+                  <a:pt x="0" y="0"/>
+                </a:moveTo>
+                <a:lnTo>
+                  <a:pt x="4110127" y="0"/>
+                </a:lnTo>
+                <a:lnTo>
+                  <a:pt x="4179024" y="123368"/>
+                </a:lnTo>
+                <a:cubicBezTo>
+                  <a:pt x="4668929" y="1045156"/>
+                  <a:pt x="4959047" y="2189404"/>
+                  <a:pt x="4959047" y="3429000"/>
+                </a:cubicBezTo>
+                <a:cubicBezTo>
+                  <a:pt x="4959047" y="4668597"/>
+                  <a:pt x="4668929" y="5812845"/>
+                  <a:pt x="4179024" y="6734633"/>
+                </a:cubicBezTo>
+                <a:lnTo>
+                  <a:pt x="4110127" y="6858000"/>
+                </a:lnTo>
+                <a:lnTo>
+                  <a:pt x="0" y="6858000"/>
+                </a:lnTo>
+                <a:close/>
+              </a:path>
+            </a:pathLst>
+          </a:custGeom>
+          <a:ln w="9525">
+            <a:solidFill>
+              <a:schemeClr val="tx2">
+                <a:lumMod val="10000"/>
+                <a:lumOff val="90000"/>
+              </a:schemeClr>
+            </a:solidFill>
+          </a:ln>
+          <a:effectLst>
+            <a:outerShdw blurRad="50800" dist="38100" algn="l" rotWithShape="0">
+              <a:schemeClr val="bg1">
+                <a:lumMod val="85000"/>
+                <a:alpha val="30000"/>
+              </a:schemeClr>
+            </a:outerShdw>
+          </a:effectLst>
+        </p:spPr>
+        <p:style>
+          <a:lnRef idx="2">
+            <a:schemeClr val="accent1">
+              <a:shade val="50000"/>
+            </a:schemeClr>
+          </a:lnRef>
+          <a:fillRef idx="1">
+            <a:schemeClr val="accent1"/>
+          </a:fillRef>
+          <a:effectRef idx="0">
+            <a:schemeClr val="accent1"/>
+          </a:effectRef>
+          <a:fontRef idx="minor">
+            <a:schemeClr val="lt1"/>
+          </a:fontRef>
+        </p:style>
+        <p:txBody>
+          <a:bodyPr wrap="square" rtlCol="0" anchor="ctr">
+            <a:noAutofit/>
+          </a:bodyPr>
           <a:lstStyle/>
           <a:p>
             <a:pPr marL="0" marR="0" lvl="0" indent="0" algn="ctr" defTabSz="914400" rtl="0" eaLnBrk="1" fontAlgn="auto" latinLnBrk="0" hangingPunct="1">
@@ -9201,12 +9654,12 @@
           </a:p>
         </p:txBody>
       </p:sp>
-      <p:sp>
-        <p:nvSpPr>
-          <p:cNvPr id="37" name="Rectangle 36">
-            <a:extLst>
-              <a:ext uri="{FF2B5EF4-FFF2-40B4-BE49-F238E27FC236}">
-                <a16:creationId xmlns:a16="http://schemas.microsoft.com/office/drawing/2014/main" id="{79F3C543-62EC-4433-9C93-A2CD8764E9B4}"/>
+      <p:sp useBgFill="1">
+        <p:nvSpPr>
+          <p:cNvPr id="91" name="Freeform: Shape 90">
+            <a:extLst>
+              <a:ext uri="{FF2B5EF4-FFF2-40B4-BE49-F238E27FC236}">
+                <a16:creationId xmlns:a16="http://schemas.microsoft.com/office/drawing/2014/main" id="{84D4DDB8-B68F-45B0-9F62-C4279996F672}"/>
               </a:ext>
               <a:ext uri="{C183D7F6-B498-43B3-948B-1728B52AA6E4}">
                 <adec:decorative xmlns:adec="http://schemas.microsoft.com/office/drawing/2017/decorative" val="1"/>
@@ -9225,20 +9678,85 @@
           </p:nvPr>
         </p:nvSpPr>
         <p:spPr>
-          <a:xfrm flipV="1">
-            <a:off x="578652" y="4501201"/>
-            <a:ext cx="11034696" cy="18288"/>
-          </a:xfrm>
-          <a:prstGeom prst="rect">
+          <a:xfrm>
+            <a:off x="0" y="0"/>
+            <a:ext cx="4948887" cy="6858000"/>
+          </a:xfrm>
+          <a:custGeom>
             <a:avLst/>
-          </a:prstGeom>
-          <a:solidFill>
-            <a:schemeClr val="tx2">
-              <a:lumMod val="25000"/>
-              <a:lumOff val="75000"/>
-            </a:schemeClr>
-          </a:solidFill>
-          <a:ln w="3175">
+            <a:gdLst>
+              <a:gd name="connsiteX0" fmla="*/ 0 w 4948887"/>
+              <a:gd name="connsiteY0" fmla="*/ 0 h 6858000"/>
+              <a:gd name="connsiteX1" fmla="*/ 4099967 w 4948887"/>
+              <a:gd name="connsiteY1" fmla="*/ 0 h 6858000"/>
+              <a:gd name="connsiteX2" fmla="*/ 4168864 w 4948887"/>
+              <a:gd name="connsiteY2" fmla="*/ 123368 h 6858000"/>
+              <a:gd name="connsiteX3" fmla="*/ 4948887 w 4948887"/>
+              <a:gd name="connsiteY3" fmla="*/ 3429000 h 6858000"/>
+              <a:gd name="connsiteX4" fmla="*/ 4168864 w 4948887"/>
+              <a:gd name="connsiteY4" fmla="*/ 6734633 h 6858000"/>
+              <a:gd name="connsiteX5" fmla="*/ 4099967 w 4948887"/>
+              <a:gd name="connsiteY5" fmla="*/ 6858000 h 6858000"/>
+              <a:gd name="connsiteX6" fmla="*/ 0 w 4948887"/>
+              <a:gd name="connsiteY6" fmla="*/ 6858000 h 6858000"/>
+            </a:gdLst>
+            <a:ahLst/>
+            <a:cxnLst>
+              <a:cxn ang="0">
+                <a:pos x="connsiteX0" y="connsiteY0"/>
+              </a:cxn>
+              <a:cxn ang="0">
+                <a:pos x="connsiteX1" y="connsiteY1"/>
+              </a:cxn>
+              <a:cxn ang="0">
+                <a:pos x="connsiteX2" y="connsiteY2"/>
+              </a:cxn>
+              <a:cxn ang="0">
+                <a:pos x="connsiteX3" y="connsiteY3"/>
+              </a:cxn>
+              <a:cxn ang="0">
+                <a:pos x="connsiteX4" y="connsiteY4"/>
+              </a:cxn>
+              <a:cxn ang="0">
+                <a:pos x="connsiteX5" y="connsiteY5"/>
+              </a:cxn>
+              <a:cxn ang="0">
+                <a:pos x="connsiteX6" y="connsiteY6"/>
+              </a:cxn>
+            </a:cxnLst>
+            <a:rect l="l" t="t" r="r" b="b"/>
+            <a:pathLst>
+              <a:path w="4948887" h="6858000">
+                <a:moveTo>
+                  <a:pt x="0" y="0"/>
+                </a:moveTo>
+                <a:lnTo>
+                  <a:pt x="4099967" y="0"/>
+                </a:lnTo>
+                <a:lnTo>
+                  <a:pt x="4168864" y="123368"/>
+                </a:lnTo>
+                <a:cubicBezTo>
+                  <a:pt x="4658769" y="1045156"/>
+                  <a:pt x="4948887" y="2189404"/>
+                  <a:pt x="4948887" y="3429000"/>
+                </a:cubicBezTo>
+                <a:cubicBezTo>
+                  <a:pt x="4948887" y="4668597"/>
+                  <a:pt x="4658769" y="5812845"/>
+                  <a:pt x="4168864" y="6734633"/>
+                </a:cubicBezTo>
+                <a:lnTo>
+                  <a:pt x="4099967" y="6858000"/>
+                </a:lnTo>
+                <a:lnTo>
+                  <a:pt x="0" y="6858000"/>
+                </a:lnTo>
+                <a:close/>
+              </a:path>
+            </a:pathLst>
+          </a:custGeom>
+          <a:ln w="9525">
             <a:noFill/>
           </a:ln>
           <a:effectLst/>
@@ -9260,7 +9778,9 @@
           </a:fontRef>
         </p:style>
         <p:txBody>
-          <a:bodyPr rtlCol="0" anchor="ctr"/>
+          <a:bodyPr wrap="square" rtlCol="0" anchor="ctr">
+            <a:noAutofit/>
+          </a:bodyPr>
           <a:lstStyle/>
           <a:p>
             <a:pPr marL="0" marR="0" lvl="0" indent="0" algn="ctr" defTabSz="914400" rtl="0" eaLnBrk="1" fontAlgn="auto" latinLnBrk="0" hangingPunct="1">
@@ -9297,104 +9817,56 @@
           </a:p>
         </p:txBody>
       </p:sp>
-      <p:sp useBgFill="1">
-        <p:nvSpPr>
-          <p:cNvPr id="39" name="Rectangle 38">
-            <a:extLst>
-              <a:ext uri="{FF2B5EF4-FFF2-40B4-BE49-F238E27FC236}">
-                <a16:creationId xmlns:a16="http://schemas.microsoft.com/office/drawing/2014/main" id="{68AF5748-FED8-45BA-8631-26D1D10F3246}"/>
-              </a:ext>
-              <a:ext uri="{C183D7F6-B498-43B3-948B-1728B52AA6E4}">
-                <adec:decorative xmlns:adec="http://schemas.microsoft.com/office/drawing/2017/decorative" val="1"/>
-              </a:ext>
-            </a:extLst>
-          </p:cNvPr>
-          <p:cNvSpPr>
-            <a:spLocks noGrp="1" noRot="1" noChangeAspect="1" noMove="1" noResize="1" noEditPoints="1" noAdjustHandles="1" noChangeArrowheads="1" noChangeShapeType="1" noTextEdit="1"/>
-          </p:cNvSpPr>
-          <p:nvPr>
-            <p:extLst>
-              <p:ext uri="{386F3935-93C4-4BCD-93E2-E3B085C9AB24}">
-                <p16:designElem xmlns:p16="http://schemas.microsoft.com/office/powerpoint/2015/main" val="1"/>
-              </p:ext>
-            </p:extLst>
+      <p:sp>
+        <p:nvSpPr>
+          <p:cNvPr id="3" name="Subtítulo 2">
+            <a:extLst>
+              <a:ext uri="{FF2B5EF4-FFF2-40B4-BE49-F238E27FC236}">
+                <a16:creationId xmlns:a16="http://schemas.microsoft.com/office/drawing/2014/main" id="{52027676-CB5C-90F6-13CA-3916ADA40856}"/>
+              </a:ext>
+            </a:extLst>
+          </p:cNvPr>
+          <p:cNvSpPr>
+            <a:spLocks noGrp="1"/>
+          </p:cNvSpPr>
+          <p:nvPr>
+            <p:ph type="subTitle" idx="1"/>
           </p:nvPr>
         </p:nvSpPr>
         <p:spPr>
           <a:xfrm>
-            <a:off x="0" y="0"/>
-            <a:ext cx="12192000" cy="6858000"/>
-          </a:xfrm>
-          <a:prstGeom prst="rect">
-            <a:avLst/>
-          </a:prstGeom>
-          <a:ln>
-            <a:noFill/>
-          </a:ln>
-        </p:spPr>
-        <p:style>
-          <a:lnRef idx="2">
-            <a:schemeClr val="accent1">
-              <a:shade val="50000"/>
-            </a:schemeClr>
-          </a:lnRef>
-          <a:fillRef idx="1">
-            <a:schemeClr val="accent1"/>
-          </a:fillRef>
-          <a:effectRef idx="0">
-            <a:schemeClr val="accent1"/>
-          </a:effectRef>
-          <a:fontRef idx="minor">
-            <a:schemeClr val="lt1"/>
-          </a:fontRef>
-        </p:style>
-        <p:txBody>
-          <a:bodyPr rtlCol="0" anchor="ctr"/>
-          <a:lstStyle/>
-          <a:p>
-            <a:pPr algn="ctr"/>
-            <a:endParaRPr lang="en-US"/>
-          </a:p>
-        </p:txBody>
-      </p:sp>
-      <p:sp>
-        <p:nvSpPr>
-          <p:cNvPr id="2" name="Título 1">
-            <a:extLst>
-              <a:ext uri="{FF2B5EF4-FFF2-40B4-BE49-F238E27FC236}">
-                <a16:creationId xmlns:a16="http://schemas.microsoft.com/office/drawing/2014/main" id="{5426947A-E7FB-7EAA-B824-61C315ECC45E}"/>
-              </a:ext>
-            </a:extLst>
-          </p:cNvPr>
-          <p:cNvSpPr>
-            <a:spLocks noGrp="1"/>
-          </p:cNvSpPr>
-          <p:nvPr>
-            <p:ph type="title"/>
-          </p:nvPr>
-        </p:nvSpPr>
-        <p:spPr>
-          <a:xfrm>
-            <a:off x="477981" y="1122363"/>
-            <a:ext cx="4023360" cy="3204134"/>
-          </a:xfrm>
-        </p:spPr>
-        <p:txBody>
-          <a:bodyPr vert="horz" lIns="91440" tIns="45720" rIns="91440" bIns="45720" rtlCol="0" anchor="b">
-            <a:normAutofit/>
+            <a:off x="477981" y="4872922"/>
+            <a:ext cx="3933306" cy="1208141"/>
+          </a:xfrm>
+        </p:spPr>
+        <p:txBody>
+          <a:bodyPr>
+            <a:normAutofit lnSpcReduction="10000"/>
           </a:bodyPr>
           <a:lstStyle/>
           <a:p>
             <a:r>
-              <a:rPr lang="en-US" sz="3700"/>
-              <a:t>Esclarecimentos</a:t>
-            </a:r>
-          </a:p>
-        </p:txBody>
-      </p:sp>
-      <p:sp>
-        <p:nvSpPr>
-          <p:cNvPr id="41" name="Rectangle 40">
+              <a:rPr lang="pt-PT" sz="1800" dirty="0"/>
+              <a:t>António Moreira – 93279</a:t>
+            </a:r>
+          </a:p>
+          <a:p>
+            <a:r>
+              <a:rPr lang="pt-PT" sz="1800" dirty="0"/>
+              <a:t>Gonçalo Cunha – 108352</a:t>
+            </a:r>
+          </a:p>
+          <a:p>
+            <a:r>
+              <a:rPr lang="pt-PT" sz="1800" dirty="0"/>
+              <a:t>Xavier Machado - 108019</a:t>
+            </a:r>
+          </a:p>
+        </p:txBody>
+      </p:sp>
+      <p:sp>
+        <p:nvSpPr>
+          <p:cNvPr id="93" name="Rectangle 92">
             <a:extLst>
               <a:ext uri="{FF2B5EF4-FFF2-40B4-BE49-F238E27FC236}">
                 <a16:creationId xmlns:a16="http://schemas.microsoft.com/office/drawing/2014/main" id="{AF2F604E-43BE-4DC3-B983-E071523364F8}"/>
@@ -9486,7 +9958,7 @@
       </p:sp>
       <p:sp>
         <p:nvSpPr>
-          <p:cNvPr id="43" name="Rectangle 42">
+          <p:cNvPr id="95" name="Rectangle 94">
             <a:extLst>
               <a:ext uri="{FF2B5EF4-FFF2-40B4-BE49-F238E27FC236}">
                 <a16:creationId xmlns:a16="http://schemas.microsoft.com/office/drawing/2014/main" id="{08C9B587-E65E-4B52-B37C-ABEBB6E87928}"/>
@@ -9582,10 +10054,10 @@
       </p:sp>
       <p:pic>
         <p:nvPicPr>
-          <p:cNvPr id="29" name="Graphic 7" descr="Conversar">
-            <a:extLst>
-              <a:ext uri="{FF2B5EF4-FFF2-40B4-BE49-F238E27FC236}">
-                <a16:creationId xmlns:a16="http://schemas.microsoft.com/office/drawing/2014/main" id="{84B2569D-20F9-A4F0-8ACE-7B93DCE9E952}"/>
+          <p:cNvPr id="7" name="Imagem 6">
+            <a:extLst>
+              <a:ext uri="{FF2B5EF4-FFF2-40B4-BE49-F238E27FC236}">
+                <a16:creationId xmlns:a16="http://schemas.microsoft.com/office/drawing/2014/main" id="{AE9CF6AD-1F48-8ADE-B053-87D8326A3332}"/>
               </a:ext>
             </a:extLst>
           </p:cNvPr>
@@ -9594,101 +10066,34 @@
           </p:cNvPicPr>
           <p:nvPr/>
         </p:nvPicPr>
-        <p:blipFill>
-          <a:blip r:embed="rId2">
-            <a:extLst>
-              <a:ext uri="{28A0092B-C50C-407E-A947-70E740481C1C}">
-                <a14:useLocalDpi xmlns:a14="http://schemas.microsoft.com/office/drawing/2010/main" val="0"/>
-              </a:ext>
-              <a:ext uri="{96DAC541-7B7A-43D3-8B79-37D633B846F1}">
-                <asvg:svgBlip xmlns:asvg="http://schemas.microsoft.com/office/drawing/2016/SVG/main" r:embed="rId3"/>
-              </a:ext>
-            </a:extLst>
-          </a:blip>
-          <a:stretch>
-            <a:fillRect/>
-          </a:stretch>
+        <p:blipFill rotWithShape="1">
+          <a:blip r:embed="rId4"/>
+          <a:srcRect l="4369" t="9767" r="5916" b="9876"/>
+          <a:stretch/>
         </p:blipFill>
         <p:spPr>
           <a:xfrm>
-            <a:off x="5560099" y="625683"/>
-            <a:ext cx="5455380" cy="5455380"/>
+            <a:off x="224674" y="2275723"/>
+            <a:ext cx="4439920" cy="1153277"/>
           </a:xfrm>
           <a:prstGeom prst="rect">
             <a:avLst/>
           </a:prstGeom>
         </p:spPr>
       </p:pic>
-      <p:sp>
-        <p:nvSpPr>
-          <p:cNvPr id="4" name="Marcador de Posição do Número do Diapositivo 3">
-            <a:extLst>
-              <a:ext uri="{FF2B5EF4-FFF2-40B4-BE49-F238E27FC236}">
-                <a16:creationId xmlns:a16="http://schemas.microsoft.com/office/drawing/2014/main" id="{3BC2B88E-0D14-A42D-89EC-AB8CC64B35B7}"/>
-              </a:ext>
-            </a:extLst>
-          </p:cNvPr>
-          <p:cNvSpPr>
-            <a:spLocks noGrp="1"/>
-          </p:cNvSpPr>
-          <p:nvPr>
-            <p:ph type="sldNum" sz="quarter" idx="12"/>
-          </p:nvPr>
-        </p:nvSpPr>
-        <p:spPr>
-          <a:xfrm>
-            <a:off x="9926319" y="6356350"/>
-            <a:ext cx="1787699" cy="365125"/>
-          </a:xfrm>
-        </p:spPr>
-        <p:txBody>
-          <a:bodyPr vert="horz" lIns="91440" tIns="45720" rIns="91440" bIns="45720" rtlCol="0" anchor="ctr">
-            <a:normAutofit/>
-          </a:bodyPr>
-          <a:lstStyle/>
-          <a:p>
-            <a:pPr>
-              <a:spcAft>
-                <a:spcPts val="600"/>
-              </a:spcAft>
-            </a:pPr>
-            <a:fld id="{B2DC25EE-239B-4C5F-AAD1-255A7D5F1EE2}" type="slidenum">
-              <a:rPr lang="en-US">
-                <a:solidFill>
-                  <a:schemeClr val="tx2">
-                    <a:lumMod val="50000"/>
-                    <a:lumOff val="50000"/>
-                  </a:schemeClr>
-                </a:solidFill>
-              </a:rPr>
-              <a:pPr>
-                <a:spcAft>
-                  <a:spcPts val="600"/>
-                </a:spcAft>
-              </a:pPr>
-              <a:t>7</a:t>
-            </a:fld>
-            <a:endParaRPr lang="en-US">
-              <a:solidFill>
-                <a:schemeClr val="tx2">
-                  <a:lumMod val="50000"/>
-                  <a:lumOff val="50000"/>
-                </a:schemeClr>
-              </a:solidFill>
-            </a:endParaRPr>
-          </a:p>
-        </p:txBody>
-      </p:sp>
     </p:spTree>
     <p:extLst>
       <p:ext uri="{BB962C8B-B14F-4D97-AF65-F5344CB8AC3E}">
-        <p14:creationId xmlns:p14="http://schemas.microsoft.com/office/powerpoint/2010/main" val="201024975"/>
+        <p14:creationId xmlns:p14="http://schemas.microsoft.com/office/powerpoint/2010/main" val="2551422336"/>
       </p:ext>
     </p:extLst>
   </p:cSld>
   <p:clrMapOvr>
     <a:masterClrMapping/>
   </p:clrMapOvr>
+  <p:transition spd="slow">
+    <p:push dir="u"/>
+  </p:transition>
 </p:sld>
 </file>
 
